--- a/FlipPhone Software Design.pptx
+++ b/FlipPhone Software Design.pptx
@@ -4,6 +4,9 @@
   <p:sldMasterIdLst>
     <p:sldMasterId id="2147483648" r:id="rId1"/>
   </p:sldMasterIdLst>
+  <p:notesMasterIdLst>
+    <p:notesMasterId r:id="rId16"/>
+  </p:notesMasterIdLst>
   <p:sldIdLst>
     <p:sldId id="256" r:id="rId2"/>
     <p:sldId id="257" r:id="rId3"/>
@@ -120,6 +123,448 @@
 </p:presentation>
 </file>
 
+<file path=ppt/notesMasters/notesMaster1.xml><?xml version="1.0" encoding="utf-8"?>
+<p:notesMaster xmlns:a="http://schemas.openxmlformats.org/drawingml/2006/main" xmlns:r="http://schemas.openxmlformats.org/officeDocument/2006/relationships" xmlns:p="http://schemas.openxmlformats.org/presentationml/2006/main">
+  <p:cSld>
+    <p:bg>
+      <p:bgRef idx="1001">
+        <a:schemeClr val="bg1"/>
+      </p:bgRef>
+    </p:bg>
+    <p:spTree>
+      <p:nvGrpSpPr>
+        <p:cNvPr id="1" name=""/>
+        <p:cNvGrpSpPr/>
+        <p:nvPr/>
+      </p:nvGrpSpPr>
+      <p:grpSpPr>
+        <a:xfrm>
+          <a:off x="0" y="0"/>
+          <a:ext cx="0" cy="0"/>
+          <a:chOff x="0" y="0"/>
+          <a:chExt cx="0" cy="0"/>
+        </a:xfrm>
+      </p:grpSpPr>
+      <p:sp>
+        <p:nvSpPr>
+          <p:cNvPr id="2" name="Header Placeholder 1"/>
+          <p:cNvSpPr>
+            <a:spLocks noGrp="1"/>
+          </p:cNvSpPr>
+          <p:nvPr>
+            <p:ph type="hdr" sz="quarter"/>
+          </p:nvPr>
+        </p:nvSpPr>
+        <p:spPr>
+          <a:xfrm>
+            <a:off x="0" y="0"/>
+            <a:ext cx="2971800" cy="457200"/>
+          </a:xfrm>
+          <a:prstGeom prst="rect">
+            <a:avLst/>
+          </a:prstGeom>
+        </p:spPr>
+        <p:txBody>
+          <a:bodyPr vert="horz" lIns="91440" tIns="45720" rIns="91440" bIns="45720" rtlCol="0"/>
+          <a:lstStyle>
+            <a:lvl1pPr algn="l">
+              <a:defRPr sz="1200"/>
+            </a:lvl1pPr>
+          </a:lstStyle>
+          <a:p>
+            <a:endParaRPr lang="en-US"/>
+          </a:p>
+        </p:txBody>
+      </p:sp>
+      <p:sp>
+        <p:nvSpPr>
+          <p:cNvPr id="3" name="Date Placeholder 2"/>
+          <p:cNvSpPr>
+            <a:spLocks noGrp="1"/>
+          </p:cNvSpPr>
+          <p:nvPr>
+            <p:ph type="dt" idx="1"/>
+          </p:nvPr>
+        </p:nvSpPr>
+        <p:spPr>
+          <a:xfrm>
+            <a:off x="3884613" y="0"/>
+            <a:ext cx="2971800" cy="457200"/>
+          </a:xfrm>
+          <a:prstGeom prst="rect">
+            <a:avLst/>
+          </a:prstGeom>
+        </p:spPr>
+        <p:txBody>
+          <a:bodyPr vert="horz" lIns="91440" tIns="45720" rIns="91440" bIns="45720" rtlCol="0"/>
+          <a:lstStyle>
+            <a:lvl1pPr algn="r">
+              <a:defRPr sz="1200"/>
+            </a:lvl1pPr>
+          </a:lstStyle>
+          <a:p>
+            <a:fld id="{E4AAB353-AD47-4AE9-B40D-3B415529045B}" type="datetimeFigureOut">
+              <a:rPr lang="en-US" smtClean="0"/>
+              <a:t>5/25/2017</a:t>
+            </a:fld>
+            <a:endParaRPr lang="en-US"/>
+          </a:p>
+        </p:txBody>
+      </p:sp>
+      <p:sp>
+        <p:nvSpPr>
+          <p:cNvPr id="4" name="Slide Image Placeholder 3"/>
+          <p:cNvSpPr>
+            <a:spLocks noGrp="1" noRot="1" noChangeAspect="1"/>
+          </p:cNvSpPr>
+          <p:nvPr>
+            <p:ph type="sldImg" idx="2"/>
+          </p:nvPr>
+        </p:nvSpPr>
+        <p:spPr>
+          <a:xfrm>
+            <a:off x="1143000" y="685800"/>
+            <a:ext cx="4572000" cy="3429000"/>
+          </a:xfrm>
+          <a:prstGeom prst="rect">
+            <a:avLst/>
+          </a:prstGeom>
+          <a:noFill/>
+          <a:ln w="12700">
+            <a:solidFill>
+              <a:prstClr val="black"/>
+            </a:solidFill>
+          </a:ln>
+        </p:spPr>
+        <p:txBody>
+          <a:bodyPr vert="horz" lIns="91440" tIns="45720" rIns="91440" bIns="45720" rtlCol="0" anchor="ctr"/>
+          <a:lstStyle/>
+          <a:p>
+            <a:endParaRPr lang="en-US"/>
+          </a:p>
+        </p:txBody>
+      </p:sp>
+      <p:sp>
+        <p:nvSpPr>
+          <p:cNvPr id="5" name="Notes Placeholder 4"/>
+          <p:cNvSpPr>
+            <a:spLocks noGrp="1"/>
+          </p:cNvSpPr>
+          <p:nvPr>
+            <p:ph type="body" sz="quarter" idx="3"/>
+          </p:nvPr>
+        </p:nvSpPr>
+        <p:spPr>
+          <a:xfrm>
+            <a:off x="685800" y="4343400"/>
+            <a:ext cx="5486400" cy="4114800"/>
+          </a:xfrm>
+          <a:prstGeom prst="rect">
+            <a:avLst/>
+          </a:prstGeom>
+        </p:spPr>
+        <p:txBody>
+          <a:bodyPr vert="horz" lIns="91440" tIns="45720" rIns="91440" bIns="45720" rtlCol="0"/>
+          <a:lstStyle/>
+          <a:p>
+            <a:pPr lvl="0"/>
+            <a:r>
+              <a:rPr lang="en-US" smtClean="0"/>
+              <a:t>Click to edit Master text styles</a:t>
+            </a:r>
+          </a:p>
+          <a:p>
+            <a:pPr lvl="1"/>
+            <a:r>
+              <a:rPr lang="en-US" smtClean="0"/>
+              <a:t>Second level</a:t>
+            </a:r>
+          </a:p>
+          <a:p>
+            <a:pPr lvl="2"/>
+            <a:r>
+              <a:rPr lang="en-US" smtClean="0"/>
+              <a:t>Third level</a:t>
+            </a:r>
+          </a:p>
+          <a:p>
+            <a:pPr lvl="3"/>
+            <a:r>
+              <a:rPr lang="en-US" smtClean="0"/>
+              <a:t>Fourth level</a:t>
+            </a:r>
+          </a:p>
+          <a:p>
+            <a:pPr lvl="4"/>
+            <a:r>
+              <a:rPr lang="en-US" smtClean="0"/>
+              <a:t>Fifth level</a:t>
+            </a:r>
+            <a:endParaRPr lang="en-US"/>
+          </a:p>
+        </p:txBody>
+      </p:sp>
+      <p:sp>
+        <p:nvSpPr>
+          <p:cNvPr id="6" name="Footer Placeholder 5"/>
+          <p:cNvSpPr>
+            <a:spLocks noGrp="1"/>
+          </p:cNvSpPr>
+          <p:nvPr>
+            <p:ph type="ftr" sz="quarter" idx="4"/>
+          </p:nvPr>
+        </p:nvSpPr>
+        <p:spPr>
+          <a:xfrm>
+            <a:off x="0" y="8685213"/>
+            <a:ext cx="2971800" cy="457200"/>
+          </a:xfrm>
+          <a:prstGeom prst="rect">
+            <a:avLst/>
+          </a:prstGeom>
+        </p:spPr>
+        <p:txBody>
+          <a:bodyPr vert="horz" lIns="91440" tIns="45720" rIns="91440" bIns="45720" rtlCol="0" anchor="b"/>
+          <a:lstStyle>
+            <a:lvl1pPr algn="l">
+              <a:defRPr sz="1200"/>
+            </a:lvl1pPr>
+          </a:lstStyle>
+          <a:p>
+            <a:endParaRPr lang="en-US"/>
+          </a:p>
+        </p:txBody>
+      </p:sp>
+      <p:sp>
+        <p:nvSpPr>
+          <p:cNvPr id="7" name="Slide Number Placeholder 6"/>
+          <p:cNvSpPr>
+            <a:spLocks noGrp="1"/>
+          </p:cNvSpPr>
+          <p:nvPr>
+            <p:ph type="sldNum" sz="quarter" idx="5"/>
+          </p:nvPr>
+        </p:nvSpPr>
+        <p:spPr>
+          <a:xfrm>
+            <a:off x="3884613" y="8685213"/>
+            <a:ext cx="2971800" cy="457200"/>
+          </a:xfrm>
+          <a:prstGeom prst="rect">
+            <a:avLst/>
+          </a:prstGeom>
+        </p:spPr>
+        <p:txBody>
+          <a:bodyPr vert="horz" lIns="91440" tIns="45720" rIns="91440" bIns="45720" rtlCol="0" anchor="b"/>
+          <a:lstStyle>
+            <a:lvl1pPr algn="r">
+              <a:defRPr sz="1200"/>
+            </a:lvl1pPr>
+          </a:lstStyle>
+          <a:p>
+            <a:fld id="{FAD6143F-7C96-4CE0-9DE9-E9C0D996C79D}" type="slidenum">
+              <a:rPr lang="en-US" smtClean="0"/>
+              <a:t>‹#›</a:t>
+            </a:fld>
+            <a:endParaRPr lang="en-US"/>
+          </a:p>
+        </p:txBody>
+      </p:sp>
+    </p:spTree>
+    <p:extLst>
+      <p:ext uri="{BB962C8B-B14F-4D97-AF65-F5344CB8AC3E}">
+        <p14:creationId xmlns:p14="http://schemas.microsoft.com/office/powerpoint/2010/main" val="978952157"/>
+      </p:ext>
+    </p:extLst>
+  </p:cSld>
+  <p:clrMap bg1="lt1" tx1="dk1" bg2="lt2" tx2="dk2" accent1="accent1" accent2="accent2" accent3="accent3" accent4="accent4" accent5="accent5" accent6="accent6" hlink="hlink" folHlink="folHlink"/>
+  <p:notesStyle>
+    <a:lvl1pPr marL="0" algn="l" defTabSz="914400" rtl="0" eaLnBrk="1" latinLnBrk="0" hangingPunct="1">
+      <a:defRPr sz="1200" kern="1200">
+        <a:solidFill>
+          <a:schemeClr val="tx1"/>
+        </a:solidFill>
+        <a:latin typeface="+mn-lt"/>
+        <a:ea typeface="+mn-ea"/>
+        <a:cs typeface="+mn-cs"/>
+      </a:defRPr>
+    </a:lvl1pPr>
+    <a:lvl2pPr marL="457200" algn="l" defTabSz="914400" rtl="0" eaLnBrk="1" latinLnBrk="0" hangingPunct="1">
+      <a:defRPr sz="1200" kern="1200">
+        <a:solidFill>
+          <a:schemeClr val="tx1"/>
+        </a:solidFill>
+        <a:latin typeface="+mn-lt"/>
+        <a:ea typeface="+mn-ea"/>
+        <a:cs typeface="+mn-cs"/>
+      </a:defRPr>
+    </a:lvl2pPr>
+    <a:lvl3pPr marL="914400" algn="l" defTabSz="914400" rtl="0" eaLnBrk="1" latinLnBrk="0" hangingPunct="1">
+      <a:defRPr sz="1200" kern="1200">
+        <a:solidFill>
+          <a:schemeClr val="tx1"/>
+        </a:solidFill>
+        <a:latin typeface="+mn-lt"/>
+        <a:ea typeface="+mn-ea"/>
+        <a:cs typeface="+mn-cs"/>
+      </a:defRPr>
+    </a:lvl3pPr>
+    <a:lvl4pPr marL="1371600" algn="l" defTabSz="914400" rtl="0" eaLnBrk="1" latinLnBrk="0" hangingPunct="1">
+      <a:defRPr sz="1200" kern="1200">
+        <a:solidFill>
+          <a:schemeClr val="tx1"/>
+        </a:solidFill>
+        <a:latin typeface="+mn-lt"/>
+        <a:ea typeface="+mn-ea"/>
+        <a:cs typeface="+mn-cs"/>
+      </a:defRPr>
+    </a:lvl4pPr>
+    <a:lvl5pPr marL="1828800" algn="l" defTabSz="914400" rtl="0" eaLnBrk="1" latinLnBrk="0" hangingPunct="1">
+      <a:defRPr sz="1200" kern="1200">
+        <a:solidFill>
+          <a:schemeClr val="tx1"/>
+        </a:solidFill>
+        <a:latin typeface="+mn-lt"/>
+        <a:ea typeface="+mn-ea"/>
+        <a:cs typeface="+mn-cs"/>
+      </a:defRPr>
+    </a:lvl5pPr>
+    <a:lvl6pPr marL="2286000" algn="l" defTabSz="914400" rtl="0" eaLnBrk="1" latinLnBrk="0" hangingPunct="1">
+      <a:defRPr sz="1200" kern="1200">
+        <a:solidFill>
+          <a:schemeClr val="tx1"/>
+        </a:solidFill>
+        <a:latin typeface="+mn-lt"/>
+        <a:ea typeface="+mn-ea"/>
+        <a:cs typeface="+mn-cs"/>
+      </a:defRPr>
+    </a:lvl6pPr>
+    <a:lvl7pPr marL="2743200" algn="l" defTabSz="914400" rtl="0" eaLnBrk="1" latinLnBrk="0" hangingPunct="1">
+      <a:defRPr sz="1200" kern="1200">
+        <a:solidFill>
+          <a:schemeClr val="tx1"/>
+        </a:solidFill>
+        <a:latin typeface="+mn-lt"/>
+        <a:ea typeface="+mn-ea"/>
+        <a:cs typeface="+mn-cs"/>
+      </a:defRPr>
+    </a:lvl7pPr>
+    <a:lvl8pPr marL="3200400" algn="l" defTabSz="914400" rtl="0" eaLnBrk="1" latinLnBrk="0" hangingPunct="1">
+      <a:defRPr sz="1200" kern="1200">
+        <a:solidFill>
+          <a:schemeClr val="tx1"/>
+        </a:solidFill>
+        <a:latin typeface="+mn-lt"/>
+        <a:ea typeface="+mn-ea"/>
+        <a:cs typeface="+mn-cs"/>
+      </a:defRPr>
+    </a:lvl8pPr>
+    <a:lvl9pPr marL="3657600" algn="l" defTabSz="914400" rtl="0" eaLnBrk="1" latinLnBrk="0" hangingPunct="1">
+      <a:defRPr sz="1200" kern="1200">
+        <a:solidFill>
+          <a:schemeClr val="tx1"/>
+        </a:solidFill>
+        <a:latin typeface="+mn-lt"/>
+        <a:ea typeface="+mn-ea"/>
+        <a:cs typeface="+mn-cs"/>
+      </a:defRPr>
+    </a:lvl9pPr>
+  </p:notesStyle>
+</p:notesMaster>
+</file>
+
+<file path=ppt/notesSlides/notesSlide1.xml><?xml version="1.0" encoding="utf-8"?>
+<p:notes xmlns:a="http://schemas.openxmlformats.org/drawingml/2006/main" xmlns:r="http://schemas.openxmlformats.org/officeDocument/2006/relationships" xmlns:p="http://schemas.openxmlformats.org/presentationml/2006/main">
+  <p:cSld>
+    <p:spTree>
+      <p:nvGrpSpPr>
+        <p:cNvPr id="1" name=""/>
+        <p:cNvGrpSpPr/>
+        <p:nvPr/>
+      </p:nvGrpSpPr>
+      <p:grpSpPr>
+        <a:xfrm>
+          <a:off x="0" y="0"/>
+          <a:ext cx="0" cy="0"/>
+          <a:chOff x="0" y="0"/>
+          <a:chExt cx="0" cy="0"/>
+        </a:xfrm>
+      </p:grpSpPr>
+      <p:sp>
+        <p:nvSpPr>
+          <p:cNvPr id="2" name="Slide Image Placeholder 1"/>
+          <p:cNvSpPr>
+            <a:spLocks noGrp="1" noRot="1" noChangeAspect="1"/>
+          </p:cNvSpPr>
+          <p:nvPr>
+            <p:ph type="sldImg"/>
+          </p:nvPr>
+        </p:nvSpPr>
+        <p:spPr/>
+      </p:sp>
+      <p:sp>
+        <p:nvSpPr>
+          <p:cNvPr id="3" name="Notes Placeholder 2"/>
+          <p:cNvSpPr>
+            <a:spLocks noGrp="1"/>
+          </p:cNvSpPr>
+          <p:nvPr>
+            <p:ph type="body" idx="1"/>
+          </p:nvPr>
+        </p:nvSpPr>
+        <p:spPr/>
+        <p:txBody>
+          <a:bodyPr/>
+          <a:lstStyle/>
+          <a:p>
+            <a:r>
+              <a:rPr lang="en-US" dirty="0" smtClean="0"/>
+              <a:t>Time check only after </a:t>
+            </a:r>
+            <a:r>
+              <a:rPr lang="en-US" smtClean="0"/>
+              <a:t>Recovery Calculator</a:t>
+            </a:r>
+            <a:endParaRPr lang="en-US"/>
+          </a:p>
+        </p:txBody>
+      </p:sp>
+      <p:sp>
+        <p:nvSpPr>
+          <p:cNvPr id="4" name="Slide Number Placeholder 3"/>
+          <p:cNvSpPr>
+            <a:spLocks noGrp="1"/>
+          </p:cNvSpPr>
+          <p:nvPr>
+            <p:ph type="sldNum" sz="quarter" idx="10"/>
+          </p:nvPr>
+        </p:nvSpPr>
+        <p:spPr/>
+        <p:txBody>
+          <a:bodyPr/>
+          <a:lstStyle/>
+          <a:p>
+            <a:fld id="{FAD6143F-7C96-4CE0-9DE9-E9C0D996C79D}" type="slidenum">
+              <a:rPr lang="en-US" smtClean="0"/>
+              <a:t>3</a:t>
+            </a:fld>
+            <a:endParaRPr lang="en-US"/>
+          </a:p>
+        </p:txBody>
+      </p:sp>
+    </p:spTree>
+    <p:extLst>
+      <p:ext uri="{BB962C8B-B14F-4D97-AF65-F5344CB8AC3E}">
+        <p14:creationId xmlns:p14="http://schemas.microsoft.com/office/powerpoint/2010/main" val="799657408"/>
+      </p:ext>
+    </p:extLst>
+  </p:cSld>
+  <p:clrMapOvr>
+    <a:masterClrMapping/>
+  </p:clrMapOvr>
+</p:notes>
+</file>
+
 <file path=ppt/slideLayouts/slideLayout1.xml><?xml version="1.0" encoding="utf-8"?>
 <p:sldLayout xmlns:a="http://schemas.openxmlformats.org/drawingml/2006/main" xmlns:r="http://schemas.openxmlformats.org/officeDocument/2006/relationships" xmlns:p="http://schemas.openxmlformats.org/presentationml/2006/main" type="title" preserve="1">
   <p:cSld name="Title Slide">
@@ -301,7 +746,7 @@
           <a:p>
             <a:fld id="{9882BA32-6AE0-4DE1-8FF8-F0B8EFC4636C}" type="datetimeFigureOut">
               <a:rPr lang="en-US" smtClean="0"/>
-              <a:t>5/7/2017</a:t>
+              <a:t>5/24/2017</a:t>
             </a:fld>
             <a:endParaRPr lang="en-US"/>
           </a:p>
@@ -471,7 +916,7 @@
           <a:p>
             <a:fld id="{9882BA32-6AE0-4DE1-8FF8-F0B8EFC4636C}" type="datetimeFigureOut">
               <a:rPr lang="en-US" smtClean="0"/>
-              <a:t>5/7/2017</a:t>
+              <a:t>5/24/2017</a:t>
             </a:fld>
             <a:endParaRPr lang="en-US"/>
           </a:p>
@@ -651,7 +1096,7 @@
           <a:p>
             <a:fld id="{9882BA32-6AE0-4DE1-8FF8-F0B8EFC4636C}" type="datetimeFigureOut">
               <a:rPr lang="en-US" smtClean="0"/>
-              <a:t>5/7/2017</a:t>
+              <a:t>5/24/2017</a:t>
             </a:fld>
             <a:endParaRPr lang="en-US"/>
           </a:p>
@@ -821,7 +1266,7 @@
           <a:p>
             <a:fld id="{9882BA32-6AE0-4DE1-8FF8-F0B8EFC4636C}" type="datetimeFigureOut">
               <a:rPr lang="en-US" smtClean="0"/>
-              <a:t>5/7/2017</a:t>
+              <a:t>5/24/2017</a:t>
             </a:fld>
             <a:endParaRPr lang="en-US"/>
           </a:p>
@@ -1067,7 +1512,7 @@
           <a:p>
             <a:fld id="{9882BA32-6AE0-4DE1-8FF8-F0B8EFC4636C}" type="datetimeFigureOut">
               <a:rPr lang="en-US" smtClean="0"/>
-              <a:t>5/7/2017</a:t>
+              <a:t>5/24/2017</a:t>
             </a:fld>
             <a:endParaRPr lang="en-US"/>
           </a:p>
@@ -1355,7 +1800,7 @@
           <a:p>
             <a:fld id="{9882BA32-6AE0-4DE1-8FF8-F0B8EFC4636C}" type="datetimeFigureOut">
               <a:rPr lang="en-US" smtClean="0"/>
-              <a:t>5/7/2017</a:t>
+              <a:t>5/24/2017</a:t>
             </a:fld>
             <a:endParaRPr lang="en-US"/>
           </a:p>
@@ -1777,7 +2222,7 @@
           <a:p>
             <a:fld id="{9882BA32-6AE0-4DE1-8FF8-F0B8EFC4636C}" type="datetimeFigureOut">
               <a:rPr lang="en-US" smtClean="0"/>
-              <a:t>5/7/2017</a:t>
+              <a:t>5/24/2017</a:t>
             </a:fld>
             <a:endParaRPr lang="en-US"/>
           </a:p>
@@ -1895,7 +2340,7 @@
           <a:p>
             <a:fld id="{9882BA32-6AE0-4DE1-8FF8-F0B8EFC4636C}" type="datetimeFigureOut">
               <a:rPr lang="en-US" smtClean="0"/>
-              <a:t>5/7/2017</a:t>
+              <a:t>5/24/2017</a:t>
             </a:fld>
             <a:endParaRPr lang="en-US"/>
           </a:p>
@@ -1990,7 +2435,7 @@
           <a:p>
             <a:fld id="{9882BA32-6AE0-4DE1-8FF8-F0B8EFC4636C}" type="datetimeFigureOut">
               <a:rPr lang="en-US" smtClean="0"/>
-              <a:t>5/7/2017</a:t>
+              <a:t>5/24/2017</a:t>
             </a:fld>
             <a:endParaRPr lang="en-US"/>
           </a:p>
@@ -2267,7 +2712,7 @@
           <a:p>
             <a:fld id="{9882BA32-6AE0-4DE1-8FF8-F0B8EFC4636C}" type="datetimeFigureOut">
               <a:rPr lang="en-US" smtClean="0"/>
-              <a:t>5/7/2017</a:t>
+              <a:t>5/24/2017</a:t>
             </a:fld>
             <a:endParaRPr lang="en-US"/>
           </a:p>
@@ -2520,7 +2965,7 @@
           <a:p>
             <a:fld id="{9882BA32-6AE0-4DE1-8FF8-F0B8EFC4636C}" type="datetimeFigureOut">
               <a:rPr lang="en-US" smtClean="0"/>
-              <a:t>5/7/2017</a:t>
+              <a:t>5/24/2017</a:t>
             </a:fld>
             <a:endParaRPr lang="en-US"/>
           </a:p>
@@ -2733,7 +3178,7 @@
           <a:p>
             <a:fld id="{9882BA32-6AE0-4DE1-8FF8-F0B8EFC4636C}" type="datetimeFigureOut">
               <a:rPr lang="en-US" smtClean="0"/>
-              <a:t>5/7/2017</a:t>
+              <a:t>5/24/2017</a:t>
             </a:fld>
             <a:endParaRPr lang="en-US"/>
           </a:p>
@@ -3211,8 +3656,8 @@
           </a:p>
         </p:txBody>
       </p:sp>
-      <mc:AlternateContent xmlns:mc="http://schemas.openxmlformats.org/markup-compatibility/2006">
-        <mc:Choice xmlns:a14="http://schemas.microsoft.com/office/drawing/2010/main" Requires="a14">
+      <mc:AlternateContent xmlns:mc="http://schemas.openxmlformats.org/markup-compatibility/2006" xmlns:a14="http://schemas.microsoft.com/office/drawing/2010/main">
+        <mc:Choice Requires="a14">
           <p:sp>
             <p:nvSpPr>
               <p:cNvPr id="3" name="Content Placeholder 2"/>
@@ -3724,7 +4169,7 @@
             </p:txBody>
           </p:sp>
         </mc:Choice>
-        <mc:Fallback>
+        <mc:Fallback xmlns="">
           <p:sp>
             <p:nvSpPr>
               <p:cNvPr id="3" name="Content Placeholder 2"/>
@@ -4086,7 +4531,6 @@
               <a:rPr lang="en-US" dirty="0" smtClean="0"/>
               <a:t>If timeout has exceeded, move to Time Expired state. </a:t>
             </a:r>
-            <a:endParaRPr lang="en-US" dirty="0" smtClean="0"/>
           </a:p>
           <a:p>
             <a:endParaRPr lang="en-US" dirty="0"/>
@@ -4322,9 +4766,9 @@
         <p:grpSpPr>
           <a:xfrm>
             <a:off x="1028700" y="1406236"/>
-            <a:ext cx="7970537" cy="5026830"/>
+            <a:ext cx="7944379" cy="5026830"/>
             <a:chOff x="1028700" y="1406236"/>
-            <a:chExt cx="7970537" cy="5026830"/>
+            <a:chExt cx="7944379" cy="5026830"/>
           </a:xfrm>
         </p:grpSpPr>
         <p:sp>
@@ -4737,10 +5181,14 @@
             <a:p>
               <a:pPr algn="ctr"/>
               <a:r>
-                <a:rPr lang="en-US" dirty="0" smtClean="0"/>
-                <a:t>Impact Forecaster</a:t>
+                <a:rPr lang="en-US" sz="1100" dirty="0" smtClean="0"/>
+                <a:t>Impact </a:t>
               </a:r>
-              <a:endParaRPr lang="en-US" dirty="0"/>
+              <a:r>
+                <a:rPr lang="en-US" sz="1100" dirty="0" smtClean="0"/>
+                <a:t>Forecaster + Recovery Calculator</a:t>
+              </a:r>
+              <a:endParaRPr lang="en-US" sz="1100" dirty="0"/>
             </a:p>
           </p:txBody>
         </p:sp>
@@ -4788,8 +5236,8 @@
           </p:nvSpPr>
           <p:spPr>
             <a:xfrm>
-              <a:off x="1866900" y="5234555"/>
-              <a:ext cx="941283" cy="369332"/>
+              <a:off x="1818883" y="5191456"/>
+              <a:ext cx="729687" cy="369332"/>
             </a:xfrm>
             <a:prstGeom prst="rect">
               <a:avLst/>
@@ -4804,51 +5252,7 @@
             <a:p>
               <a:r>
                 <a:rPr lang="en-US" dirty="0" smtClean="0"/>
-                <a:t>On time</a:t>
-              </a:r>
-              <a:endParaRPr lang="en-US" dirty="0"/>
-            </a:p>
-          </p:txBody>
-        </p:sp>
-        <p:sp>
-          <p:nvSpPr>
-            <p:cNvPr id="26" name="Rectangle 25"/>
-            <p:cNvSpPr/>
-            <p:nvPr/>
-          </p:nvSpPr>
-          <p:spPr>
-            <a:xfrm>
-              <a:off x="3886277" y="5638800"/>
-              <a:ext cx="1295400" cy="609600"/>
-            </a:xfrm>
-            <a:prstGeom prst="rect">
-              <a:avLst/>
-            </a:prstGeom>
-          </p:spPr>
-          <p:style>
-            <a:lnRef idx="2">
-              <a:schemeClr val="accent1">
-                <a:shade val="50000"/>
-              </a:schemeClr>
-            </a:lnRef>
-            <a:fillRef idx="1">
-              <a:schemeClr val="accent1"/>
-            </a:fillRef>
-            <a:effectRef idx="0">
-              <a:schemeClr val="accent1"/>
-            </a:effectRef>
-            <a:fontRef idx="minor">
-              <a:schemeClr val="lt1"/>
-            </a:fontRef>
-          </p:style>
-          <p:txBody>
-            <a:bodyPr rtlCol="0" anchor="ctr"/>
-            <a:lstStyle/>
-            <a:p>
-              <a:pPr algn="ctr"/>
-              <a:r>
-                <a:rPr lang="en-US" dirty="0" smtClean="0"/>
-                <a:t>Recovery Calculator</a:t>
+                <a:t>Timer</a:t>
               </a:r>
               <a:endParaRPr lang="en-US" dirty="0"/>
             </a:p>
@@ -4859,14 +5263,13 @@
             <p:cNvPr id="28" name="Straight Arrow Connector 27"/>
             <p:cNvCxnSpPr>
               <a:stCxn id="22" idx="3"/>
-              <a:endCxn id="26" idx="1"/>
             </p:cNvCxnSpPr>
             <p:nvPr/>
           </p:nvCxnSpPr>
           <p:spPr>
             <a:xfrm>
               <a:off x="2324100" y="5943600"/>
-              <a:ext cx="1562177" cy="0"/>
+              <a:ext cx="2857577" cy="0"/>
             </a:xfrm>
             <a:prstGeom prst="straightConnector1">
               <a:avLst/>
@@ -4898,8 +5301,8 @@
           </p:nvSpPr>
           <p:spPr>
             <a:xfrm>
-              <a:off x="2575082" y="6063734"/>
-              <a:ext cx="941283" cy="369332"/>
+              <a:off x="4044356" y="6063734"/>
+              <a:ext cx="729687" cy="369332"/>
             </a:xfrm>
             <a:prstGeom prst="rect">
               <a:avLst/>
@@ -4914,7 +5317,7 @@
             <a:p>
               <a:r>
                 <a:rPr lang="en-US" dirty="0" smtClean="0"/>
-                <a:t>On time</a:t>
+                <a:t>Timer</a:t>
               </a:r>
               <a:endParaRPr lang="en-US" dirty="0"/>
             </a:p>
@@ -4924,7 +5327,6 @@
           <p:nvCxnSpPr>
             <p:cNvPr id="32" name="Straight Arrow Connector 31"/>
             <p:cNvCxnSpPr>
-              <a:stCxn id="26" idx="3"/>
               <a:endCxn id="37" idx="1"/>
             </p:cNvCxnSpPr>
             <p:nvPr/>
@@ -4956,36 +5358,6 @@
             </a:fontRef>
           </p:style>
         </p:cxnSp>
-        <p:sp>
-          <p:nvSpPr>
-            <p:cNvPr id="36" name="TextBox 35"/>
-            <p:cNvSpPr txBox="1"/>
-            <p:nvPr/>
-          </p:nvSpPr>
-          <p:spPr>
-            <a:xfrm>
-              <a:off x="5343110" y="6063734"/>
-              <a:ext cx="941283" cy="369332"/>
-            </a:xfrm>
-            <a:prstGeom prst="rect">
-              <a:avLst/>
-            </a:prstGeom>
-            <a:noFill/>
-          </p:spPr>
-          <p:txBody>
-            <a:bodyPr wrap="none" rtlCol="0">
-              <a:spAutoFit/>
-            </a:bodyPr>
-            <a:lstStyle/>
-            <a:p>
-              <a:r>
-                <a:rPr lang="en-US" dirty="0" smtClean="0"/>
-                <a:t>On time</a:t>
-              </a:r>
-              <a:endParaRPr lang="en-US" dirty="0"/>
-            </a:p>
-          </p:txBody>
-        </p:sp>
         <p:sp>
           <p:nvSpPr>
             <p:cNvPr id="37" name="Rectangle 36"/>
@@ -5024,7 +5396,11 @@
               <a:pPr algn="ctr"/>
               <a:r>
                 <a:rPr lang="en-US" dirty="0" smtClean="0"/>
-                <a:t>Engine Controller</a:t>
+                <a:t>Engine </a:t>
+              </a:r>
+              <a:r>
+                <a:rPr lang="en-US" dirty="0" smtClean="0"/>
+                <a:t>Start</a:t>
               </a:r>
               <a:endParaRPr lang="en-US" dirty="0"/>
             </a:p>
@@ -5068,7 +5444,7 @@
               <a:pPr algn="ctr"/>
               <a:r>
                 <a:rPr lang="en-US" dirty="0" smtClean="0"/>
-                <a:t>Impact Detector</a:t>
+                <a:t>Engine Shutdown</a:t>
               </a:r>
               <a:endParaRPr lang="en-US" dirty="0"/>
             </a:p>
@@ -5118,8 +5494,8 @@
           </p:nvSpPr>
           <p:spPr>
             <a:xfrm>
-              <a:off x="7277100" y="5252011"/>
-              <a:ext cx="941283" cy="369332"/>
+              <a:off x="7230101" y="5087511"/>
+              <a:ext cx="1742978" cy="646331"/>
             </a:xfrm>
             <a:prstGeom prst="rect">
               <a:avLst/>
@@ -5134,7 +5510,13 @@
             <a:p>
               <a:r>
                 <a:rPr lang="en-US" dirty="0" smtClean="0"/>
-                <a:t>On time</a:t>
+                <a:t>Impact Detected</a:t>
+              </a:r>
+            </a:p>
+            <a:p>
+              <a:r>
+                <a:rPr lang="en-US" dirty="0" smtClean="0"/>
+                <a:t>Or Timer</a:t>
               </a:r>
               <a:endParaRPr lang="en-US" dirty="0"/>
             </a:p>
@@ -5178,36 +5560,6 @@
         </p:cxnSp>
         <p:sp>
           <p:nvSpPr>
-            <p:cNvPr id="49" name="TextBox 48"/>
-            <p:cNvSpPr txBox="1"/>
-            <p:nvPr/>
-          </p:nvSpPr>
-          <p:spPr>
-            <a:xfrm>
-              <a:off x="7277099" y="4167939"/>
-              <a:ext cx="1722138" cy="369332"/>
-            </a:xfrm>
-            <a:prstGeom prst="rect">
-              <a:avLst/>
-            </a:prstGeom>
-            <a:noFill/>
-          </p:spPr>
-          <p:txBody>
-            <a:bodyPr wrap="none" rtlCol="0">
-              <a:spAutoFit/>
-            </a:bodyPr>
-            <a:lstStyle/>
-            <a:p>
-              <a:r>
-                <a:rPr lang="en-US" dirty="0" smtClean="0"/>
-                <a:t>Impact detected</a:t>
-              </a:r>
-              <a:endParaRPr lang="en-US" dirty="0"/>
-            </a:p>
-          </p:txBody>
-        </p:sp>
-        <p:sp>
-          <p:nvSpPr>
             <p:cNvPr id="50" name="Rectangle 49"/>
             <p:cNvSpPr/>
             <p:nvPr/>
@@ -5244,274 +5596,13 @@
               <a:pPr algn="ctr"/>
               <a:r>
                 <a:rPr lang="en-US" dirty="0" smtClean="0"/>
-                <a:t>Time Expired</a:t>
-              </a:r>
-              <a:endParaRPr lang="en-US" dirty="0"/>
-            </a:p>
-          </p:txBody>
-        </p:sp>
-        <p:cxnSp>
-          <p:nvCxnSpPr>
-            <p:cNvPr id="54" name="Straight Arrow Connector 53"/>
-            <p:cNvCxnSpPr>
-              <a:stCxn id="16" idx="3"/>
-              <a:endCxn id="50" idx="1"/>
-            </p:cNvCxnSpPr>
-            <p:nvPr/>
-          </p:nvCxnSpPr>
-          <p:spPr>
-            <a:xfrm>
-              <a:off x="2324100" y="4895211"/>
-              <a:ext cx="1562177" cy="0"/>
-            </a:xfrm>
-            <a:prstGeom prst="straightConnector1">
-              <a:avLst/>
-            </a:prstGeom>
-            <a:ln>
-              <a:tailEnd type="arrow"/>
-            </a:ln>
-          </p:spPr>
-          <p:style>
-            <a:lnRef idx="1">
-              <a:schemeClr val="accent1"/>
-            </a:lnRef>
-            <a:fillRef idx="0">
-              <a:schemeClr val="accent1"/>
-            </a:fillRef>
-            <a:effectRef idx="0">
-              <a:schemeClr val="accent1"/>
-            </a:effectRef>
-            <a:fontRef idx="minor">
-              <a:schemeClr val="tx1"/>
-            </a:fontRef>
-          </p:style>
-        </p:cxnSp>
-        <p:cxnSp>
-          <p:nvCxnSpPr>
-            <p:cNvPr id="62" name="Straight Arrow Connector 61"/>
-            <p:cNvCxnSpPr>
-              <a:stCxn id="42" idx="1"/>
-              <a:endCxn id="50" idx="3"/>
-            </p:cNvCxnSpPr>
-            <p:nvPr/>
-          </p:nvCxnSpPr>
-          <p:spPr>
-            <a:xfrm flipH="1">
-              <a:off x="5181677" y="4895211"/>
-              <a:ext cx="1264150" cy="0"/>
-            </a:xfrm>
-            <a:prstGeom prst="straightConnector1">
-              <a:avLst/>
-            </a:prstGeom>
-            <a:ln>
-              <a:tailEnd type="arrow"/>
-            </a:ln>
-          </p:spPr>
-          <p:style>
-            <a:lnRef idx="1">
-              <a:schemeClr val="accent1"/>
-            </a:lnRef>
-            <a:fillRef idx="0">
-              <a:schemeClr val="accent1"/>
-            </a:fillRef>
-            <a:effectRef idx="0">
-              <a:schemeClr val="accent1"/>
-            </a:effectRef>
-            <a:fontRef idx="minor">
-              <a:schemeClr val="tx1"/>
-            </a:fontRef>
-          </p:style>
-        </p:cxnSp>
-        <p:cxnSp>
-          <p:nvCxnSpPr>
-            <p:cNvPr id="75" name="Straight Arrow Connector 74"/>
-            <p:cNvCxnSpPr/>
-            <p:nvPr/>
-          </p:nvCxnSpPr>
-          <p:spPr>
-            <a:xfrm flipH="1" flipV="1">
-              <a:off x="5264727" y="4929755"/>
-              <a:ext cx="1181100" cy="709045"/>
-            </a:xfrm>
-            <a:prstGeom prst="straightConnector1">
-              <a:avLst/>
-            </a:prstGeom>
-            <a:ln>
-              <a:tailEnd type="arrow"/>
-            </a:ln>
-          </p:spPr>
-          <p:style>
-            <a:lnRef idx="1">
-              <a:schemeClr val="accent1"/>
-            </a:lnRef>
-            <a:fillRef idx="0">
-              <a:schemeClr val="accent1"/>
-            </a:fillRef>
-            <a:effectRef idx="0">
-              <a:schemeClr val="accent1"/>
-            </a:effectRef>
-            <a:fontRef idx="minor">
-              <a:schemeClr val="tx1"/>
-            </a:fontRef>
-          </p:style>
-        </p:cxnSp>
-        <p:sp>
-          <p:nvSpPr>
-            <p:cNvPr id="76" name="TextBox 75"/>
-            <p:cNvSpPr txBox="1"/>
-            <p:nvPr/>
-          </p:nvSpPr>
-          <p:spPr>
-            <a:xfrm>
-              <a:off x="2814788" y="4537271"/>
-              <a:ext cx="580800" cy="369332"/>
-            </a:xfrm>
-            <a:prstGeom prst="rect">
-              <a:avLst/>
-            </a:prstGeom>
-            <a:noFill/>
-          </p:spPr>
-          <p:txBody>
-            <a:bodyPr wrap="none" rtlCol="0">
-              <a:spAutoFit/>
-            </a:bodyPr>
-            <a:lstStyle/>
-            <a:p>
-              <a:r>
-                <a:rPr lang="en-US" dirty="0" smtClean="0"/>
-                <a:t>Late</a:t>
-              </a:r>
-              <a:endParaRPr lang="en-US" dirty="0"/>
-            </a:p>
-          </p:txBody>
-        </p:sp>
-        <p:sp>
-          <p:nvSpPr>
-            <p:cNvPr id="77" name="TextBox 76"/>
-            <p:cNvSpPr txBox="1"/>
-            <p:nvPr/>
-          </p:nvSpPr>
-          <p:spPr>
-            <a:xfrm>
-              <a:off x="5564877" y="4525879"/>
-              <a:ext cx="580800" cy="369332"/>
-            </a:xfrm>
-            <a:prstGeom prst="rect">
-              <a:avLst/>
-            </a:prstGeom>
-            <a:noFill/>
-          </p:spPr>
-          <p:txBody>
-            <a:bodyPr wrap="none" rtlCol="0">
-              <a:spAutoFit/>
-            </a:bodyPr>
-            <a:lstStyle/>
-            <a:p>
-              <a:r>
-                <a:rPr lang="en-US" dirty="0" smtClean="0"/>
-                <a:t>Late</a:t>
+                <a:t>Error</a:t>
               </a:r>
               <a:endParaRPr lang="en-US" dirty="0"/>
             </a:p>
           </p:txBody>
         </p:sp>
       </p:grpSp>
-      <p:cxnSp>
-        <p:nvCxnSpPr>
-          <p:cNvPr id="83" name="Straight Arrow Connector 82"/>
-          <p:cNvCxnSpPr>
-            <a:stCxn id="26" idx="0"/>
-            <a:endCxn id="50" idx="2"/>
-          </p:cNvCxnSpPr>
-          <p:nvPr/>
-        </p:nvCxnSpPr>
-        <p:spPr>
-          <a:xfrm flipV="1">
-            <a:off x="4533977" y="5200011"/>
-            <a:ext cx="0" cy="438789"/>
-          </a:xfrm>
-          <a:prstGeom prst="straightConnector1">
-            <a:avLst/>
-          </a:prstGeom>
-          <a:ln>
-            <a:tailEnd type="arrow"/>
-          </a:ln>
-        </p:spPr>
-        <p:style>
-          <a:lnRef idx="1">
-            <a:schemeClr val="accent1"/>
-          </a:lnRef>
-          <a:fillRef idx="0">
-            <a:schemeClr val="accent1"/>
-          </a:fillRef>
-          <a:effectRef idx="0">
-            <a:schemeClr val="accent1"/>
-          </a:effectRef>
-          <a:fontRef idx="minor">
-            <a:schemeClr val="tx1"/>
-          </a:fontRef>
-        </p:style>
-      </p:cxnSp>
-      <p:sp>
-        <p:nvSpPr>
-          <p:cNvPr id="84" name="TextBox 83"/>
-          <p:cNvSpPr txBox="1"/>
-          <p:nvPr/>
-        </p:nvSpPr>
-        <p:spPr>
-          <a:xfrm>
-            <a:off x="4600877" y="5234555"/>
-            <a:ext cx="580800" cy="369332"/>
-          </a:xfrm>
-          <a:prstGeom prst="rect">
-            <a:avLst/>
-          </a:prstGeom>
-          <a:noFill/>
-        </p:spPr>
-        <p:txBody>
-          <a:bodyPr wrap="none" rtlCol="0">
-            <a:spAutoFit/>
-          </a:bodyPr>
-          <a:lstStyle/>
-          <a:p>
-            <a:r>
-              <a:rPr lang="en-US" dirty="0" smtClean="0"/>
-              <a:t>Late</a:t>
-            </a:r>
-            <a:endParaRPr lang="en-US" dirty="0"/>
-          </a:p>
-        </p:txBody>
-      </p:sp>
-      <p:sp>
-        <p:nvSpPr>
-          <p:cNvPr id="85" name="TextBox 84"/>
-          <p:cNvSpPr txBox="1"/>
-          <p:nvPr/>
-        </p:nvSpPr>
-        <p:spPr>
-          <a:xfrm rot="1800000">
-            <a:off x="5784613" y="5070997"/>
-            <a:ext cx="580800" cy="369332"/>
-          </a:xfrm>
-          <a:prstGeom prst="rect">
-            <a:avLst/>
-          </a:prstGeom>
-          <a:noFill/>
-        </p:spPr>
-        <p:txBody>
-          <a:bodyPr wrap="none" rtlCol="0">
-            <a:spAutoFit/>
-          </a:bodyPr>
-          <a:lstStyle/>
-          <a:p>
-            <a:r>
-              <a:rPr lang="en-US" dirty="0" smtClean="0"/>
-              <a:t>Late</a:t>
-            </a:r>
-            <a:endParaRPr lang="en-US" dirty="0"/>
-          </a:p>
-        </p:txBody>
-      </p:sp>
       <p:cxnSp>
         <p:nvCxnSpPr>
           <p:cNvPr id="87" name="Straight Arrow Connector 86"/>
@@ -5588,8 +5679,8 @@
         </p:nvSpPr>
         <p:spPr>
           <a:xfrm rot="20700000">
-            <a:off x="2909366" y="5376122"/>
-            <a:ext cx="580800" cy="369332"/>
+            <a:off x="2428233" y="4928158"/>
+            <a:ext cx="1683917" cy="830997"/>
           </a:xfrm>
           <a:prstGeom prst="rect">
             <a:avLst/>
@@ -5597,16 +5688,28 @@
           <a:noFill/>
         </p:spPr>
         <p:txBody>
-          <a:bodyPr wrap="none" rtlCol="0">
+          <a:bodyPr wrap="square" rtlCol="0">
             <a:spAutoFit/>
           </a:bodyPr>
           <a:lstStyle/>
           <a:p>
             <a:r>
-              <a:rPr lang="en-US" dirty="0" smtClean="0"/>
-              <a:t>Late</a:t>
-            </a:r>
-            <a:endParaRPr lang="en-US" dirty="0"/>
+              <a:rPr lang="en-US" sz="1200" dirty="0" smtClean="0"/>
+              <a:t>Not enough data</a:t>
+            </a:r>
+          </a:p>
+          <a:p>
+            <a:r>
+              <a:rPr lang="en-US" sz="1200" dirty="0" smtClean="0"/>
+              <a:t>Computation time exceeded</a:t>
+            </a:r>
+          </a:p>
+          <a:p>
+            <a:r>
+              <a:rPr lang="en-US" sz="1200" dirty="0" smtClean="0"/>
+              <a:t>Other errors</a:t>
+            </a:r>
+            <a:endParaRPr lang="en-US" sz="1200" dirty="0"/>
           </a:p>
         </p:txBody>
       </p:sp>
@@ -6167,7 +6270,7 @@
                     <a:lstStyle/>
                     <a:p>
                       <a:pPr algn="ctr"/>
-                      <a:endParaRPr lang="en-US" sz="1400"/>
+                      <a:endParaRPr lang="en-US" sz="1400" dirty="0"/>
                     </a:p>
                   </a:txBody>
                   <a:tcPr anchor="ctr"/>
@@ -6197,7 +6300,7 @@
                     <a:lstStyle/>
                     <a:p>
                       <a:pPr algn="ctr"/>
-                      <a:endParaRPr lang="en-US" sz="1400"/>
+                      <a:endParaRPr lang="en-US" sz="1400" dirty="0"/>
                     </a:p>
                   </a:txBody>
                   <a:tcPr anchor="ctr"/>
@@ -7345,8 +7448,8 @@
           </a:p>
         </p:txBody>
       </p:sp>
-      <mc:AlternateContent xmlns:mc="http://schemas.openxmlformats.org/markup-compatibility/2006">
-        <mc:Choice xmlns:a14="http://schemas.microsoft.com/office/drawing/2010/main" Requires="a14">
+      <mc:AlternateContent xmlns:mc="http://schemas.openxmlformats.org/markup-compatibility/2006" xmlns:a14="http://schemas.microsoft.com/office/drawing/2010/main">
+        <mc:Choice Requires="a14">
           <p:sp>
             <p:nvSpPr>
               <p:cNvPr id="4" name="מציין מיקום תוכן 2"/>
@@ -9002,7 +9105,7 @@
             </p:txBody>
           </p:sp>
         </mc:Choice>
-        <mc:Fallback>
+        <mc:Fallback xmlns="">
           <p:sp>
             <p:nvSpPr>
               <p:cNvPr id="4" name="מציין מיקום תוכן 2"/>
@@ -9093,8 +9196,8 @@
           </a:p>
         </p:txBody>
       </p:sp>
-      <mc:AlternateContent xmlns:mc="http://schemas.openxmlformats.org/markup-compatibility/2006">
-        <mc:Choice xmlns:a14="http://schemas.microsoft.com/office/drawing/2010/main" Requires="a14">
+      <mc:AlternateContent xmlns:mc="http://schemas.openxmlformats.org/markup-compatibility/2006" xmlns:a14="http://schemas.microsoft.com/office/drawing/2010/main">
+        <mc:Choice Requires="a14">
           <p:sp>
             <p:nvSpPr>
               <p:cNvPr id="3" name="Content Placeholder 2"/>
@@ -9379,19 +9482,7 @@
                       <a:rPr lang="en-US" b="0" i="1" smtClean="0">
                         <a:latin typeface="Cambria Math"/>
                       </a:rPr>
-                      <m:t>&lt;</m:t>
-                    </m:r>
-                    <m:r>
-                      <a:rPr lang="en-US" b="0" i="1" smtClean="0">
-                        <a:latin typeface="Cambria Math"/>
-                      </a:rPr>
-                      <m:t>100</m:t>
-                    </m:r>
-                    <m:r>
-                      <a:rPr lang="en-US" b="0" i="1" smtClean="0">
-                        <a:latin typeface="Cambria Math"/>
-                      </a:rPr>
-                      <m:t>[</m:t>
+                      <m:t>&lt;100[</m:t>
                     </m:r>
                     <m:r>
                       <a:rPr lang="en-US" b="0" i="1" smtClean="0">
@@ -9571,13 +9662,7 @@
                             <a:rPr lang="en-US" i="1" dirty="0">
                               <a:latin typeface="Cambria Math"/>
                             </a:rPr>
-                            <m:t>−</m:t>
-                          </m:r>
-                          <m:r>
-                            <a:rPr lang="en-US" i="1" dirty="0">
-                              <a:latin typeface="Cambria Math"/>
-                            </a:rPr>
-                            <m:t>1</m:t>
+                            <m:t>−1</m:t>
                           </m:r>
                         </m:sup>
                       </m:sSup>
@@ -10168,7 +10253,7 @@
             </p:txBody>
           </p:sp>
         </mc:Choice>
-        <mc:Fallback>
+        <mc:Fallback xmlns="">
           <p:sp>
             <p:nvSpPr>
               <p:cNvPr id="3" name="Content Placeholder 2"/>
@@ -10498,4 +10583,289 @@
   <a:objectDefaults/>
   <a:extraClrSchemeLst/>
 </a:theme>
+</file>
+
+<file path=ppt/theme/theme2.xml><?xml version="1.0" encoding="utf-8"?>
+<a:theme xmlns:a="http://schemas.openxmlformats.org/drawingml/2006/main" name="Office Theme">
+  <a:themeElements>
+    <a:clrScheme name="Office">
+      <a:dk1>
+        <a:sysClr val="windowText" lastClr="000000"/>
+      </a:dk1>
+      <a:lt1>
+        <a:sysClr val="window" lastClr="FFFFFF"/>
+      </a:lt1>
+      <a:dk2>
+        <a:srgbClr val="1F497D"/>
+      </a:dk2>
+      <a:lt2>
+        <a:srgbClr val="EEECE1"/>
+      </a:lt2>
+      <a:accent1>
+        <a:srgbClr val="4F81BD"/>
+      </a:accent1>
+      <a:accent2>
+        <a:srgbClr val="C0504D"/>
+      </a:accent2>
+      <a:accent3>
+        <a:srgbClr val="9BBB59"/>
+      </a:accent3>
+      <a:accent4>
+        <a:srgbClr val="8064A2"/>
+      </a:accent4>
+      <a:accent5>
+        <a:srgbClr val="4BACC6"/>
+      </a:accent5>
+      <a:accent6>
+        <a:srgbClr val="F79646"/>
+      </a:accent6>
+      <a:hlink>
+        <a:srgbClr val="0000FF"/>
+      </a:hlink>
+      <a:folHlink>
+        <a:srgbClr val="800080"/>
+      </a:folHlink>
+    </a:clrScheme>
+    <a:fontScheme name="Office">
+      <a:majorFont>
+        <a:latin typeface="Calibri"/>
+        <a:ea typeface=""/>
+        <a:cs typeface=""/>
+        <a:font script="Jpan" typeface="ＭＳ Ｐゴシック"/>
+        <a:font script="Hang" typeface="맑은 고딕"/>
+        <a:font script="Hans" typeface="宋体"/>
+        <a:font script="Hant" typeface="新細明體"/>
+        <a:font script="Arab" typeface="Times New Roman"/>
+        <a:font script="Hebr" typeface="Times New Roman"/>
+        <a:font script="Thai" typeface="Angsana New"/>
+        <a:font script="Ethi" typeface="Nyala"/>
+        <a:font script="Beng" typeface="Vrinda"/>
+        <a:font script="Gujr" typeface="Shruti"/>
+        <a:font script="Khmr" typeface="MoolBoran"/>
+        <a:font script="Knda" typeface="Tunga"/>
+        <a:font script="Guru" typeface="Raavi"/>
+        <a:font script="Cans" typeface="Euphemia"/>
+        <a:font script="Cher" typeface="Plantagenet Cherokee"/>
+        <a:font script="Yiii" typeface="Microsoft Yi Baiti"/>
+        <a:font script="Tibt" typeface="Microsoft Himalaya"/>
+        <a:font script="Thaa" typeface="MV Boli"/>
+        <a:font script="Deva" typeface="Mangal"/>
+        <a:font script="Telu" typeface="Gautami"/>
+        <a:font script="Taml" typeface="Latha"/>
+        <a:font script="Syrc" typeface="Estrangelo Edessa"/>
+        <a:font script="Orya" typeface="Kalinga"/>
+        <a:font script="Mlym" typeface="Kartika"/>
+        <a:font script="Laoo" typeface="DokChampa"/>
+        <a:font script="Sinh" typeface="Iskoola Pota"/>
+        <a:font script="Mong" typeface="Mongolian Baiti"/>
+        <a:font script="Viet" typeface="Times New Roman"/>
+        <a:font script="Uigh" typeface="Microsoft Uighur"/>
+        <a:font script="Geor" typeface="Sylfaen"/>
+      </a:majorFont>
+      <a:minorFont>
+        <a:latin typeface="Calibri"/>
+        <a:ea typeface=""/>
+        <a:cs typeface=""/>
+        <a:font script="Jpan" typeface="ＭＳ Ｐゴシック"/>
+        <a:font script="Hang" typeface="맑은 고딕"/>
+        <a:font script="Hans" typeface="宋体"/>
+        <a:font script="Hant" typeface="新細明體"/>
+        <a:font script="Arab" typeface="Arial"/>
+        <a:font script="Hebr" typeface="Arial"/>
+        <a:font script="Thai" typeface="Cordia New"/>
+        <a:font script="Ethi" typeface="Nyala"/>
+        <a:font script="Beng" typeface="Vrinda"/>
+        <a:font script="Gujr" typeface="Shruti"/>
+        <a:font script="Khmr" typeface="DaunPenh"/>
+        <a:font script="Knda" typeface="Tunga"/>
+        <a:font script="Guru" typeface="Raavi"/>
+        <a:font script="Cans" typeface="Euphemia"/>
+        <a:font script="Cher" typeface="Plantagenet Cherokee"/>
+        <a:font script="Yiii" typeface="Microsoft Yi Baiti"/>
+        <a:font script="Tibt" typeface="Microsoft Himalaya"/>
+        <a:font script="Thaa" typeface="MV Boli"/>
+        <a:font script="Deva" typeface="Mangal"/>
+        <a:font script="Telu" typeface="Gautami"/>
+        <a:font script="Taml" typeface="Latha"/>
+        <a:font script="Syrc" typeface="Estrangelo Edessa"/>
+        <a:font script="Orya" typeface="Kalinga"/>
+        <a:font script="Mlym" typeface="Kartika"/>
+        <a:font script="Laoo" typeface="DokChampa"/>
+        <a:font script="Sinh" typeface="Iskoola Pota"/>
+        <a:font script="Mong" typeface="Mongolian Baiti"/>
+        <a:font script="Viet" typeface="Arial"/>
+        <a:font script="Uigh" typeface="Microsoft Uighur"/>
+        <a:font script="Geor" typeface="Sylfaen"/>
+      </a:minorFont>
+    </a:fontScheme>
+    <a:fmtScheme name="Office">
+      <a:fillStyleLst>
+        <a:solidFill>
+          <a:schemeClr val="phClr"/>
+        </a:solidFill>
+        <a:gradFill rotWithShape="1">
+          <a:gsLst>
+            <a:gs pos="0">
+              <a:schemeClr val="phClr">
+                <a:tint val="50000"/>
+                <a:satMod val="300000"/>
+              </a:schemeClr>
+            </a:gs>
+            <a:gs pos="35000">
+              <a:schemeClr val="phClr">
+                <a:tint val="37000"/>
+                <a:satMod val="300000"/>
+              </a:schemeClr>
+            </a:gs>
+            <a:gs pos="100000">
+              <a:schemeClr val="phClr">
+                <a:tint val="15000"/>
+                <a:satMod val="350000"/>
+              </a:schemeClr>
+            </a:gs>
+          </a:gsLst>
+          <a:lin ang="16200000" scaled="1"/>
+        </a:gradFill>
+        <a:gradFill rotWithShape="1">
+          <a:gsLst>
+            <a:gs pos="0">
+              <a:schemeClr val="phClr">
+                <a:shade val="51000"/>
+                <a:satMod val="130000"/>
+              </a:schemeClr>
+            </a:gs>
+            <a:gs pos="80000">
+              <a:schemeClr val="phClr">
+                <a:shade val="93000"/>
+                <a:satMod val="130000"/>
+              </a:schemeClr>
+            </a:gs>
+            <a:gs pos="100000">
+              <a:schemeClr val="phClr">
+                <a:shade val="94000"/>
+                <a:satMod val="135000"/>
+              </a:schemeClr>
+            </a:gs>
+          </a:gsLst>
+          <a:lin ang="16200000" scaled="0"/>
+        </a:gradFill>
+      </a:fillStyleLst>
+      <a:lnStyleLst>
+        <a:ln w="9525" cap="flat" cmpd="sng" algn="ctr">
+          <a:solidFill>
+            <a:schemeClr val="phClr">
+              <a:shade val="95000"/>
+              <a:satMod val="105000"/>
+            </a:schemeClr>
+          </a:solidFill>
+          <a:prstDash val="solid"/>
+        </a:ln>
+        <a:ln w="25400" cap="flat" cmpd="sng" algn="ctr">
+          <a:solidFill>
+            <a:schemeClr val="phClr"/>
+          </a:solidFill>
+          <a:prstDash val="solid"/>
+        </a:ln>
+        <a:ln w="38100" cap="flat" cmpd="sng" algn="ctr">
+          <a:solidFill>
+            <a:schemeClr val="phClr"/>
+          </a:solidFill>
+          <a:prstDash val="solid"/>
+        </a:ln>
+      </a:lnStyleLst>
+      <a:effectStyleLst>
+        <a:effectStyle>
+          <a:effectLst>
+            <a:outerShdw blurRad="40000" dist="20000" dir="5400000" rotWithShape="0">
+              <a:srgbClr val="000000">
+                <a:alpha val="38000"/>
+              </a:srgbClr>
+            </a:outerShdw>
+          </a:effectLst>
+        </a:effectStyle>
+        <a:effectStyle>
+          <a:effectLst>
+            <a:outerShdw blurRad="40000" dist="23000" dir="5400000" rotWithShape="0">
+              <a:srgbClr val="000000">
+                <a:alpha val="35000"/>
+              </a:srgbClr>
+            </a:outerShdw>
+          </a:effectLst>
+        </a:effectStyle>
+        <a:effectStyle>
+          <a:effectLst>
+            <a:outerShdw blurRad="40000" dist="23000" dir="5400000" rotWithShape="0">
+              <a:srgbClr val="000000">
+                <a:alpha val="35000"/>
+              </a:srgbClr>
+            </a:outerShdw>
+          </a:effectLst>
+          <a:scene3d>
+            <a:camera prst="orthographicFront">
+              <a:rot lat="0" lon="0" rev="0"/>
+            </a:camera>
+            <a:lightRig rig="threePt" dir="t">
+              <a:rot lat="0" lon="0" rev="1200000"/>
+            </a:lightRig>
+          </a:scene3d>
+          <a:sp3d>
+            <a:bevelT w="63500" h="25400"/>
+          </a:sp3d>
+        </a:effectStyle>
+      </a:effectStyleLst>
+      <a:bgFillStyleLst>
+        <a:solidFill>
+          <a:schemeClr val="phClr"/>
+        </a:solidFill>
+        <a:gradFill rotWithShape="1">
+          <a:gsLst>
+            <a:gs pos="0">
+              <a:schemeClr val="phClr">
+                <a:tint val="40000"/>
+                <a:satMod val="350000"/>
+              </a:schemeClr>
+            </a:gs>
+            <a:gs pos="40000">
+              <a:schemeClr val="phClr">
+                <a:tint val="45000"/>
+                <a:shade val="99000"/>
+                <a:satMod val="350000"/>
+              </a:schemeClr>
+            </a:gs>
+            <a:gs pos="100000">
+              <a:schemeClr val="phClr">
+                <a:shade val="20000"/>
+                <a:satMod val="255000"/>
+              </a:schemeClr>
+            </a:gs>
+          </a:gsLst>
+          <a:path path="circle">
+            <a:fillToRect l="50000" t="-80000" r="50000" b="180000"/>
+          </a:path>
+        </a:gradFill>
+        <a:gradFill rotWithShape="1">
+          <a:gsLst>
+            <a:gs pos="0">
+              <a:schemeClr val="phClr">
+                <a:tint val="80000"/>
+                <a:satMod val="300000"/>
+              </a:schemeClr>
+            </a:gs>
+            <a:gs pos="100000">
+              <a:schemeClr val="phClr">
+                <a:shade val="30000"/>
+                <a:satMod val="200000"/>
+              </a:schemeClr>
+            </a:gs>
+          </a:gsLst>
+          <a:path path="circle">
+            <a:fillToRect l="50000" t="50000" r="50000" b="50000"/>
+          </a:path>
+        </a:gradFill>
+      </a:bgFillStyleLst>
+    </a:fmtScheme>
+  </a:themeElements>
+  <a:objectDefaults/>
+  <a:extraClrSchemeLst/>
+</a:theme>
 </file>